--- a/Kaggle_WNV_Presentation.pptx
+++ b/Kaggle_WNV_Presentation.pptx
@@ -5,26 +5,25 @@
     <p:sldMasterId id="2147483726" r:id="rId1"/>
   </p:sldMasterIdLst>
   <p:notesMasterIdLst>
-    <p:notesMasterId r:id="rId19"/>
+    <p:notesMasterId r:id="rId18"/>
   </p:notesMasterIdLst>
   <p:sldIdLst>
     <p:sldId id="256" r:id="rId2"/>
     <p:sldId id="270" r:id="rId3"/>
     <p:sldId id="258" r:id="rId4"/>
     <p:sldId id="259" r:id="rId5"/>
-    <p:sldId id="257" r:id="rId6"/>
-    <p:sldId id="260" r:id="rId7"/>
-    <p:sldId id="267" r:id="rId8"/>
-    <p:sldId id="268" r:id="rId9"/>
-    <p:sldId id="269" r:id="rId10"/>
-    <p:sldId id="271" r:id="rId11"/>
-    <p:sldId id="261" r:id="rId12"/>
-    <p:sldId id="262" r:id="rId13"/>
-    <p:sldId id="263" r:id="rId14"/>
-    <p:sldId id="264" r:id="rId15"/>
-    <p:sldId id="265" r:id="rId16"/>
-    <p:sldId id="272" r:id="rId17"/>
-    <p:sldId id="274" r:id="rId18"/>
+    <p:sldId id="260" r:id="rId6"/>
+    <p:sldId id="267" r:id="rId7"/>
+    <p:sldId id="268" r:id="rId8"/>
+    <p:sldId id="269" r:id="rId9"/>
+    <p:sldId id="271" r:id="rId10"/>
+    <p:sldId id="261" r:id="rId11"/>
+    <p:sldId id="262" r:id="rId12"/>
+    <p:sldId id="263" r:id="rId13"/>
+    <p:sldId id="264" r:id="rId14"/>
+    <p:sldId id="265" r:id="rId15"/>
+    <p:sldId id="272" r:id="rId16"/>
+    <p:sldId id="274" r:id="rId17"/>
   </p:sldIdLst>
   <p:sldSz cx="12192000" cy="6858000"/>
   <p:notesSz cx="6858000" cy="9144000"/>
@@ -213,7 +212,7 @@
           <a:p>
             <a:fld id="{6B7C03BB-85E6-0C42-8355-106132B87E77}" type="datetimeFigureOut">
               <a:rPr lang="en-US" smtClean="0"/>
-              <a:t>4/27/17</a:t>
+              <a:t>4/28/17</a:t>
             </a:fld>
             <a:endParaRPr lang="en-US"/>
           </a:p>
@@ -609,16 +608,6 @@
           <a:bodyPr/>
           <a:lstStyle/>
           <a:p>
-            <a:r>
-              <a:rPr lang="en-US" smtClean="0"/>
-              <a:t>LiveSlide Site</a:t>
-            </a:r>
-          </a:p>
-          <a:p>
-            <a:r>
-              <a:rPr lang="en-US" smtClean="0"/>
-              <a:t>https://public.tableau.com/views/tabMap/TimePlot?:embed=y&amp;:display_count=yes</a:t>
-            </a:r>
             <a:endParaRPr lang="en-US"/>
           </a:p>
         </p:txBody>
@@ -640,7 +629,7 @@
           <a:p>
             <a:fld id="{AFAF6199-9267-D74A-951D-CE0204FE99CB}" type="slidenum">
               <a:rPr lang="en-US" smtClean="0"/>
-              <a:t>5</a:t>
+              <a:t>15</a:t>
             </a:fld>
             <a:endParaRPr lang="en-US"/>
           </a:p>
@@ -649,7 +638,7 @@
     </p:spTree>
     <p:extLst>
       <p:ext uri="{BB962C8B-B14F-4D97-AF65-F5344CB8AC3E}">
-        <p14:creationId xmlns:p14="http://schemas.microsoft.com/office/powerpoint/2010/main" val="1758027729"/>
+        <p14:creationId xmlns:p14="http://schemas.microsoft.com/office/powerpoint/2010/main" val="1648152567"/>
       </p:ext>
     </p:extLst>
   </p:cSld>
@@ -725,90 +714,6 @@
             <a:fld id="{AFAF6199-9267-D74A-951D-CE0204FE99CB}" type="slidenum">
               <a:rPr lang="en-US" smtClean="0"/>
               <a:t>16</a:t>
-            </a:fld>
-            <a:endParaRPr lang="en-US"/>
-          </a:p>
-        </p:txBody>
-      </p:sp>
-    </p:spTree>
-    <p:extLst>
-      <p:ext uri="{BB962C8B-B14F-4D97-AF65-F5344CB8AC3E}">
-        <p14:creationId xmlns:p14="http://schemas.microsoft.com/office/powerpoint/2010/main" val="1648152567"/>
-      </p:ext>
-    </p:extLst>
-  </p:cSld>
-  <p:clrMapOvr>
-    <a:masterClrMapping/>
-  </p:clrMapOvr>
-</p:notes>
-</file>
-
-<file path=ppt/notesSlides/notesSlide4.xml><?xml version="1.0" encoding="utf-8"?>
-<p:notes xmlns:a="http://schemas.openxmlformats.org/drawingml/2006/main" xmlns:r="http://schemas.openxmlformats.org/officeDocument/2006/relationships" xmlns:p="http://schemas.openxmlformats.org/presentationml/2006/main">
-  <p:cSld>
-    <p:spTree>
-      <p:nvGrpSpPr>
-        <p:cNvPr id="1" name=""/>
-        <p:cNvGrpSpPr/>
-        <p:nvPr/>
-      </p:nvGrpSpPr>
-      <p:grpSpPr>
-        <a:xfrm>
-          <a:off x="0" y="0"/>
-          <a:ext cx="0" cy="0"/>
-          <a:chOff x="0" y="0"/>
-          <a:chExt cx="0" cy="0"/>
-        </a:xfrm>
-      </p:grpSpPr>
-      <p:sp>
-        <p:nvSpPr>
-          <p:cNvPr id="2" name="Slide Image Placeholder 1"/>
-          <p:cNvSpPr>
-            <a:spLocks noGrp="1" noRot="1" noChangeAspect="1"/>
-          </p:cNvSpPr>
-          <p:nvPr>
-            <p:ph type="sldImg"/>
-          </p:nvPr>
-        </p:nvSpPr>
-        <p:spPr/>
-      </p:sp>
-      <p:sp>
-        <p:nvSpPr>
-          <p:cNvPr id="3" name="Notes Placeholder 2"/>
-          <p:cNvSpPr>
-            <a:spLocks noGrp="1"/>
-          </p:cNvSpPr>
-          <p:nvPr>
-            <p:ph type="body" idx="1"/>
-          </p:nvPr>
-        </p:nvSpPr>
-        <p:spPr/>
-        <p:txBody>
-          <a:bodyPr/>
-          <a:lstStyle/>
-          <a:p>
-            <a:endParaRPr lang="en-US"/>
-          </a:p>
-        </p:txBody>
-      </p:sp>
-      <p:sp>
-        <p:nvSpPr>
-          <p:cNvPr id="4" name="Slide Number Placeholder 3"/>
-          <p:cNvSpPr>
-            <a:spLocks noGrp="1"/>
-          </p:cNvSpPr>
-          <p:nvPr>
-            <p:ph type="sldNum" sz="quarter" idx="10"/>
-          </p:nvPr>
-        </p:nvSpPr>
-        <p:spPr/>
-        <p:txBody>
-          <a:bodyPr/>
-          <a:lstStyle/>
-          <a:p>
-            <a:fld id="{AFAF6199-9267-D74A-951D-CE0204FE99CB}" type="slidenum">
-              <a:rPr lang="en-US" smtClean="0"/>
-              <a:t>17</a:t>
             </a:fld>
             <a:endParaRPr lang="en-US"/>
           </a:p>
@@ -1055,7 +960,7 @@
           <a:p>
             <a:fld id="{2AC55E5E-9BFE-AD40-9BB0-A1E9F15F7E8A}" type="datetimeFigureOut">
               <a:rPr lang="en-US" smtClean="0"/>
-              <a:t>4/27/17</a:t>
+              <a:t>4/28/17</a:t>
             </a:fld>
             <a:endParaRPr lang="en-US"/>
           </a:p>
@@ -1258,7 +1163,7 @@
           <a:p>
             <a:fld id="{2AC55E5E-9BFE-AD40-9BB0-A1E9F15F7E8A}" type="datetimeFigureOut">
               <a:rPr lang="en-US" smtClean="0"/>
-              <a:t>4/27/17</a:t>
+              <a:t>4/28/17</a:t>
             </a:fld>
             <a:endParaRPr lang="en-US"/>
           </a:p>
@@ -1511,7 +1416,7 @@
           <a:p>
             <a:fld id="{2AC55E5E-9BFE-AD40-9BB0-A1E9F15F7E8A}" type="datetimeFigureOut">
               <a:rPr lang="en-US" smtClean="0"/>
-              <a:t>4/27/17</a:t>
+              <a:t>4/28/17</a:t>
             </a:fld>
             <a:endParaRPr lang="en-US"/>
           </a:p>
@@ -1676,7 +1581,7 @@
           <a:p>
             <a:fld id="{2AC55E5E-9BFE-AD40-9BB0-A1E9F15F7E8A}" type="datetimeFigureOut">
               <a:rPr lang="en-US" smtClean="0"/>
-              <a:t>4/27/17</a:t>
+              <a:t>4/28/17</a:t>
             </a:fld>
             <a:endParaRPr lang="en-US"/>
           </a:p>
@@ -2008,7 +1913,7 @@
           <a:p>
             <a:fld id="{2AC55E5E-9BFE-AD40-9BB0-A1E9F15F7E8A}" type="datetimeFigureOut">
               <a:rPr lang="en-US" smtClean="0"/>
-              <a:t>4/27/17</a:t>
+              <a:t>4/28/17</a:t>
             </a:fld>
             <a:endParaRPr lang="en-US"/>
           </a:p>
@@ -2278,7 +2183,7 @@
           <a:p>
             <a:fld id="{2AC55E5E-9BFE-AD40-9BB0-A1E9F15F7E8A}" type="datetimeFigureOut">
               <a:rPr lang="en-US" smtClean="0"/>
-              <a:t>4/27/17</a:t>
+              <a:t>4/28/17</a:t>
             </a:fld>
             <a:endParaRPr lang="en-US"/>
           </a:p>
@@ -2652,7 +2557,7 @@
           <a:p>
             <a:fld id="{2AC55E5E-9BFE-AD40-9BB0-A1E9F15F7E8A}" type="datetimeFigureOut">
               <a:rPr lang="en-US" smtClean="0"/>
-              <a:t>4/27/17</a:t>
+              <a:t>4/28/17</a:t>
             </a:fld>
             <a:endParaRPr lang="en-US"/>
           </a:p>
@@ -2765,7 +2670,7 @@
           <a:p>
             <a:fld id="{2AC55E5E-9BFE-AD40-9BB0-A1E9F15F7E8A}" type="datetimeFigureOut">
               <a:rPr lang="en-US" smtClean="0"/>
-              <a:t>4/27/17</a:t>
+              <a:t>4/28/17</a:t>
             </a:fld>
             <a:endParaRPr lang="en-US"/>
           </a:p>
@@ -2933,7 +2838,7 @@
           <a:p>
             <a:fld id="{2AC55E5E-9BFE-AD40-9BB0-A1E9F15F7E8A}" type="datetimeFigureOut">
               <a:rPr lang="en-US" smtClean="0"/>
-              <a:t>4/27/17</a:t>
+              <a:t>4/28/17</a:t>
             </a:fld>
             <a:endParaRPr lang="en-US"/>
           </a:p>
@@ -3284,7 +3189,7 @@
           <a:p>
             <a:fld id="{2AC55E5E-9BFE-AD40-9BB0-A1E9F15F7E8A}" type="datetimeFigureOut">
               <a:rPr lang="en-US" smtClean="0"/>
-              <a:t>4/27/17</a:t>
+              <a:t>4/28/17</a:t>
             </a:fld>
             <a:endParaRPr lang="en-US"/>
           </a:p>
@@ -3658,7 +3563,7 @@
           <a:p>
             <a:fld id="{2AC55E5E-9BFE-AD40-9BB0-A1E9F15F7E8A}" type="datetimeFigureOut">
               <a:rPr lang="en-US" smtClean="0"/>
-              <a:t>4/27/17</a:t>
+              <a:t>4/28/17</a:t>
             </a:fld>
             <a:endParaRPr lang="en-US"/>
           </a:p>
@@ -3942,7 +3847,7 @@
           <a:p>
             <a:fld id="{2AC55E5E-9BFE-AD40-9BB0-A1E9F15F7E8A}" type="datetimeFigureOut">
               <a:rPr lang="en-US" smtClean="0"/>
-              <a:t>4/27/17</a:t>
+              <a:t>4/28/17</a:t>
             </a:fld>
             <a:endParaRPr lang="en-US"/>
           </a:p>
@@ -4612,88 +4517,6 @@
           <a:p>
             <a:r>
               <a:rPr lang="en-US" dirty="0" smtClean="0"/>
-              <a:t>WNV estimates are inconsistent by species</a:t>
-            </a:r>
-            <a:endParaRPr lang="en-US" dirty="0"/>
-          </a:p>
-        </p:txBody>
-      </p:sp>
-      <p:pic>
-        <p:nvPicPr>
-          <p:cNvPr id="4" name="Content Placeholder 3"/>
-          <p:cNvPicPr>
-            <a:picLocks noGrp="1" noChangeAspect="1"/>
-          </p:cNvPicPr>
-          <p:nvPr>
-            <p:ph idx="1"/>
-          </p:nvPr>
-        </p:nvPicPr>
-        <p:blipFill>
-          <a:blip r:embed="rId2">
-            <a:extLst>
-              <a:ext uri="{28A0092B-C50C-407E-A947-70E740481C1C}">
-                <a14:useLocalDpi xmlns:a14="http://schemas.microsoft.com/office/drawing/2010/main" val="0"/>
-              </a:ext>
-            </a:extLst>
-          </a:blip>
-          <a:stretch>
-            <a:fillRect/>
-          </a:stretch>
-        </p:blipFill>
-        <p:spPr>
-          <a:xfrm>
-            <a:off x="1096963" y="2834924"/>
-            <a:ext cx="10058400" cy="2045403"/>
-          </a:xfrm>
-        </p:spPr>
-      </p:pic>
-    </p:spTree>
-    <p:extLst>
-      <p:ext uri="{BB962C8B-B14F-4D97-AF65-F5344CB8AC3E}">
-        <p14:creationId xmlns:p14="http://schemas.microsoft.com/office/powerpoint/2010/main" val="779890425"/>
-      </p:ext>
-    </p:extLst>
-  </p:cSld>
-  <p:clrMapOvr>
-    <a:masterClrMapping/>
-  </p:clrMapOvr>
-</p:sld>
-</file>
-
-<file path=ppt/slides/slide11.xml><?xml version="1.0" encoding="utf-8"?>
-<p:sld xmlns:a="http://schemas.openxmlformats.org/drawingml/2006/main" xmlns:r="http://schemas.openxmlformats.org/officeDocument/2006/relationships" xmlns:p="http://schemas.openxmlformats.org/presentationml/2006/main">
-  <p:cSld>
-    <p:spTree>
-      <p:nvGrpSpPr>
-        <p:cNvPr id="1" name=""/>
-        <p:cNvGrpSpPr/>
-        <p:nvPr/>
-      </p:nvGrpSpPr>
-      <p:grpSpPr>
-        <a:xfrm>
-          <a:off x="0" y="0"/>
-          <a:ext cx="0" cy="0"/>
-          <a:chOff x="0" y="0"/>
-          <a:chExt cx="0" cy="0"/>
-        </a:xfrm>
-      </p:grpSpPr>
-      <p:sp>
-        <p:nvSpPr>
-          <p:cNvPr id="2" name="Title 1"/>
-          <p:cNvSpPr>
-            <a:spLocks noGrp="1"/>
-          </p:cNvSpPr>
-          <p:nvPr>
-            <p:ph type="title"/>
-          </p:nvPr>
-        </p:nvSpPr>
-        <p:spPr/>
-        <p:txBody>
-          <a:bodyPr/>
-          <a:lstStyle/>
-          <a:p>
-            <a:r>
-              <a:rPr lang="en-US" dirty="0" smtClean="0"/>
               <a:t>Data Cleaning Decisions</a:t>
             </a:r>
             <a:endParaRPr lang="en-US" dirty="0"/>
@@ -4910,7 +4733,7 @@
 </p:sld>
 </file>
 
-<file path=ppt/slides/slide12.xml><?xml version="1.0" encoding="utf-8"?>
+<file path=ppt/slides/slide11.xml><?xml version="1.0" encoding="utf-8"?>
 <p:sld xmlns:a="http://schemas.openxmlformats.org/drawingml/2006/main" xmlns:r="http://schemas.openxmlformats.org/officeDocument/2006/relationships" xmlns:p="http://schemas.openxmlformats.org/presentationml/2006/main">
   <p:cSld>
     <p:spTree>
@@ -5090,7 +4913,7 @@
 </p:sld>
 </file>
 
-<file path=ppt/slides/slide13.xml><?xml version="1.0" encoding="utf-8"?>
+<file path=ppt/slides/slide12.xml><?xml version="1.0" encoding="utf-8"?>
 <p:sld xmlns:a="http://schemas.openxmlformats.org/drawingml/2006/main" xmlns:r="http://schemas.openxmlformats.org/officeDocument/2006/relationships" xmlns:p="http://schemas.openxmlformats.org/presentationml/2006/main">
   <p:cSld>
     <p:spTree>
@@ -5373,7 +5196,7 @@
 </p:sld>
 </file>
 
-<file path=ppt/slides/slide14.xml><?xml version="1.0" encoding="utf-8"?>
+<file path=ppt/slides/slide13.xml><?xml version="1.0" encoding="utf-8"?>
 <p:sld xmlns:a="http://schemas.openxmlformats.org/drawingml/2006/main" xmlns:r="http://schemas.openxmlformats.org/officeDocument/2006/relationships" xmlns:p="http://schemas.openxmlformats.org/presentationml/2006/main">
   <p:cSld>
     <p:spTree>
@@ -5594,7 +5417,7 @@
 </p:sld>
 </file>
 
-<file path=ppt/slides/slide15.xml><?xml version="1.0" encoding="utf-8"?>
+<file path=ppt/slides/slide14.xml><?xml version="1.0" encoding="utf-8"?>
 <p:sld xmlns:a="http://schemas.openxmlformats.org/drawingml/2006/main" xmlns:r="http://schemas.openxmlformats.org/officeDocument/2006/relationships" xmlns:p="http://schemas.openxmlformats.org/presentationml/2006/main">
   <p:cSld>
     <p:spTree>
@@ -5750,7 +5573,7 @@
 </p:sld>
 </file>
 
-<file path=ppt/slides/slide16.xml><?xml version="1.0" encoding="utf-8"?>
+<file path=ppt/slides/slide15.xml><?xml version="1.0" encoding="utf-8"?>
 <p:sld xmlns:a="http://schemas.openxmlformats.org/drawingml/2006/main" xmlns:r="http://schemas.openxmlformats.org/officeDocument/2006/relationships" xmlns:p="http://schemas.openxmlformats.org/presentationml/2006/main">
   <p:cSld>
     <p:spTree>
@@ -5878,7 +5701,7 @@
 </p:sld>
 </file>
 
-<file path=ppt/slides/slide17.xml><?xml version="1.0" encoding="utf-8"?>
+<file path=ppt/slides/slide16.xml><?xml version="1.0" encoding="utf-8"?>
 <p:sld xmlns:a="http://schemas.openxmlformats.org/drawingml/2006/main" xmlns:r="http://schemas.openxmlformats.org/officeDocument/2006/relationships" xmlns:p="http://schemas.openxmlformats.org/presentationml/2006/main">
   <p:cSld>
     <p:spTree>
@@ -6176,7 +5999,6 @@
               <a:rPr lang="en-US" dirty="0"/>
               <a:t>predictions of WNV will help the CDPH in allocating resources to spray of airborne pesticides to control adult mosquito populations.</a:t>
             </a:r>
-            <a:endParaRPr lang="en-US" dirty="0"/>
           </a:p>
         </p:txBody>
       </p:sp>
@@ -6278,7 +6100,6 @@
               <a:rPr lang="en-US" dirty="0"/>
               <a:t>The purpose of this project is to determine which of the mosquito traps in the city of Chicago had mosquitos with West Nile virus for the years of 2008, 2010, 2012, and 2014.</a:t>
             </a:r>
-            <a:endParaRPr lang="en-US" dirty="0"/>
           </a:p>
         </p:txBody>
       </p:sp>
@@ -6544,7 +6365,7 @@
             <a:spLocks noGrp="1"/>
           </p:cNvSpPr>
           <p:nvPr>
-            <p:ph type="ctrTitle"/>
+            <p:ph type="title"/>
           </p:nvPr>
         </p:nvSpPr>
         <p:spPr/>
@@ -6552,63 +6373,264 @@
           <a:bodyPr/>
           <a:lstStyle/>
           <a:p>
-            <a:endParaRPr lang="en-US"/>
-          </a:p>
-        </p:txBody>
-      </p:sp>
-      <p:sp>
-        <p:nvSpPr>
-          <p:cNvPr id="3" name="Subtitle 2"/>
-          <p:cNvSpPr>
-            <a:spLocks noGrp="1"/>
-          </p:cNvSpPr>
-          <p:nvPr>
-            <p:ph type="subTitle" idx="1"/>
-          </p:nvPr>
-        </p:nvSpPr>
-        <p:spPr/>
-        <p:txBody>
-          <a:bodyPr/>
-          <a:lstStyle/>
-          <a:p>
-            <a:endParaRPr lang="en-US"/>
-          </a:p>
-        </p:txBody>
-      </p:sp>
-      <p:pic>
-        <p:nvPicPr>
-          <p:cNvPr id="4" name="Picture 3"/>
-          <p:cNvPicPr>
-            <a:picLocks/>
-          </p:cNvPicPr>
-          <p:nvPr/>
-        </p:nvPicPr>
-        <p:blipFill>
-          <a:blip r:embed="rId3">
-            <a:extLst>
-              <a:ext uri="{28A0092B-C50C-407E-A947-70E740481C1C}">
-                <a14:useLocalDpi xmlns:a14="http://schemas.microsoft.com/office/drawing/2010/main" val="0"/>
-              </a:ext>
-            </a:extLst>
-          </a:blip>
-          <a:stretch>
-            <a:fillRect/>
-          </a:stretch>
-        </p:blipFill>
+            <a:r>
+              <a:rPr lang="en-US" dirty="0" smtClean="0"/>
+              <a:t>Information Provided</a:t>
+            </a:r>
+            <a:endParaRPr lang="en-US" dirty="0"/>
+          </a:p>
+        </p:txBody>
+      </p:sp>
+      <p:sp>
+        <p:nvSpPr>
+          <p:cNvPr id="3" name="Content Placeholder 2"/>
+          <p:cNvSpPr>
+            <a:spLocks noGrp="1"/>
+          </p:cNvSpPr>
+          <p:nvPr>
+            <p:ph idx="1"/>
+          </p:nvPr>
+        </p:nvSpPr>
         <p:spPr>
           <a:xfrm>
-            <a:off x="63500" y="63500"/>
-            <a:ext cx="12065000" cy="6731000"/>
+            <a:off x="1097280" y="1845733"/>
+            <a:ext cx="10058400" cy="4240741"/>
           </a:xfrm>
-          <a:prstGeom prst="rect">
-            <a:avLst/>
-          </a:prstGeom>
         </p:spPr>
-      </p:pic>
+        <p:txBody>
+          <a:bodyPr>
+            <a:noAutofit/>
+          </a:bodyPr>
+          <a:lstStyle/>
+          <a:p>
+            <a:pPr lvl="1">
+              <a:buFont typeface="Arial" charset="0"/>
+              <a:buChar char="•"/>
+            </a:pPr>
+            <a:r>
+              <a:rPr lang="en-US" dirty="0" smtClean="0"/>
+              <a:t>Results of a weekly survey of mosquito traps 2007, 2009, 2011, and 2013</a:t>
+            </a:r>
+          </a:p>
+          <a:p>
+            <a:pPr lvl="1">
+              <a:buFont typeface="Arial" charset="0"/>
+              <a:buChar char="•"/>
+            </a:pPr>
+            <a:r>
+              <a:rPr lang="en-US" dirty="0" smtClean="0"/>
+              <a:t>Trap-level </a:t>
+            </a:r>
+            <a:r>
+              <a:rPr lang="en-US" dirty="0"/>
+              <a:t>observations </a:t>
+            </a:r>
+            <a:r>
+              <a:rPr lang="en-US" dirty="0" smtClean="0"/>
+              <a:t>include:</a:t>
+            </a:r>
+          </a:p>
+          <a:p>
+            <a:pPr lvl="2">
+              <a:buFont typeface="Arial" charset="0"/>
+              <a:buChar char="•"/>
+            </a:pPr>
+            <a:r>
+              <a:rPr lang="en-US" sz="1600" dirty="0"/>
+              <a:t>A unique </a:t>
+            </a:r>
+            <a:r>
+              <a:rPr lang="en-US" sz="1600" b="1" dirty="0"/>
+              <a:t>trap identifier</a:t>
+            </a:r>
+            <a:endParaRPr lang="en-US" sz="1600" dirty="0"/>
+          </a:p>
+          <a:p>
+            <a:pPr lvl="2">
+              <a:buFont typeface="Arial" charset="0"/>
+              <a:buChar char="•"/>
+            </a:pPr>
+            <a:r>
+              <a:rPr lang="en-US" sz="1600" dirty="0" smtClean="0"/>
+              <a:t>The</a:t>
+            </a:r>
+            <a:r>
+              <a:rPr lang="en-US" sz="1600" dirty="0"/>
+              <a:t> </a:t>
+            </a:r>
+            <a:r>
+              <a:rPr lang="en-US" sz="1600" b="1" dirty="0"/>
+              <a:t>date</a:t>
+            </a:r>
+            <a:r>
+              <a:rPr lang="en-US" sz="1600" dirty="0"/>
+              <a:t> the test is performed</a:t>
+            </a:r>
+          </a:p>
+          <a:p>
+            <a:pPr lvl="2">
+              <a:buFont typeface="Arial" charset="0"/>
+              <a:buChar char="•"/>
+            </a:pPr>
+            <a:r>
+              <a:rPr lang="en-US" sz="1600" dirty="0"/>
+              <a:t>Street </a:t>
+            </a:r>
+            <a:r>
+              <a:rPr lang="en-US" sz="1600" b="1" dirty="0"/>
+              <a:t>address and block number</a:t>
+            </a:r>
+            <a:r>
+              <a:rPr lang="en-US" sz="1600" dirty="0"/>
+              <a:t> of the trap</a:t>
+            </a:r>
+          </a:p>
+          <a:p>
+            <a:pPr lvl="2">
+              <a:buFont typeface="Arial" charset="0"/>
+              <a:buChar char="•"/>
+            </a:pPr>
+            <a:r>
+              <a:rPr lang="en-US" sz="1600" dirty="0"/>
+              <a:t>Measure of the </a:t>
+            </a:r>
+            <a:r>
+              <a:rPr lang="en-US" sz="1600" b="1" dirty="0"/>
+              <a:t>accuracy of the street address</a:t>
+            </a:r>
+            <a:r>
+              <a:rPr lang="en-US" sz="1600" dirty="0"/>
+              <a:t> provided for the trap</a:t>
+            </a:r>
+          </a:p>
+          <a:p>
+            <a:pPr lvl="2">
+              <a:buFont typeface="Arial" charset="0"/>
+              <a:buChar char="•"/>
+            </a:pPr>
+            <a:r>
+              <a:rPr lang="en-US" sz="1600" dirty="0"/>
+              <a:t>The </a:t>
+            </a:r>
+            <a:r>
+              <a:rPr lang="en-US" sz="1600" b="1" dirty="0"/>
+              <a:t>species of mosquito</a:t>
+            </a:r>
+            <a:r>
+              <a:rPr lang="en-US" sz="1600" dirty="0"/>
+              <a:t> identified</a:t>
+            </a:r>
+          </a:p>
+          <a:p>
+            <a:pPr lvl="2">
+              <a:buFont typeface="Arial" charset="0"/>
+              <a:buChar char="•"/>
+            </a:pPr>
+            <a:r>
+              <a:rPr lang="en-US" sz="1600" b="1" dirty="0"/>
+              <a:t>Latitude and longitude</a:t>
+            </a:r>
+            <a:r>
+              <a:rPr lang="en-US" sz="1600" dirty="0"/>
+              <a:t> associated with the trap address</a:t>
+            </a:r>
+          </a:p>
+          <a:p>
+            <a:pPr lvl="2">
+              <a:buFont typeface="Arial" charset="0"/>
+              <a:buChar char="•"/>
+            </a:pPr>
+            <a:r>
+              <a:rPr lang="en-US" sz="1600" dirty="0"/>
+              <a:t>The </a:t>
+            </a:r>
+            <a:r>
+              <a:rPr lang="en-US" sz="1600" b="1" dirty="0"/>
+              <a:t>number of mosquitos</a:t>
+            </a:r>
+            <a:r>
+              <a:rPr lang="en-US" sz="1600" dirty="0"/>
+              <a:t> discovered during odd-numbered years</a:t>
+            </a:r>
+          </a:p>
+          <a:p>
+            <a:pPr lvl="2">
+              <a:buFont typeface="Arial" charset="0"/>
+              <a:buChar char="•"/>
+            </a:pPr>
+            <a:r>
+              <a:rPr lang="en-US" sz="1600" dirty="0"/>
+              <a:t>Whether the </a:t>
+            </a:r>
+            <a:r>
+              <a:rPr lang="en-US" sz="1600" b="1" dirty="0"/>
+              <a:t>trap tested positive</a:t>
+            </a:r>
+            <a:r>
+              <a:rPr lang="en-US" sz="1600" dirty="0"/>
+              <a:t> for West Nile Virus on a given date</a:t>
+            </a:r>
+          </a:p>
+          <a:p>
+            <a:pPr lvl="1">
+              <a:buFont typeface="Arial" charset="0"/>
+              <a:buChar char="•"/>
+            </a:pPr>
+            <a:r>
+              <a:rPr lang="en-US" b="1" dirty="0"/>
+              <a:t>Weather data</a:t>
+            </a:r>
+            <a:r>
+              <a:rPr lang="en-US" dirty="0"/>
+              <a:t> for the months of May-October from 2007 to </a:t>
+            </a:r>
+            <a:r>
+              <a:rPr lang="en-US" dirty="0" smtClean="0"/>
+              <a:t>2014</a:t>
+            </a:r>
+            <a:endParaRPr lang="en-US" dirty="0"/>
+          </a:p>
+          <a:p>
+            <a:pPr lvl="1">
+              <a:buFont typeface="Arial" charset="0"/>
+              <a:buChar char="•"/>
+            </a:pPr>
+            <a:r>
+              <a:rPr lang="en-US" dirty="0"/>
+              <a:t>A full list of all the species and traps anticipated to be in the even-year data.</a:t>
+            </a:r>
+          </a:p>
+          <a:p>
+            <a:pPr lvl="1">
+              <a:buFont typeface="Arial" charset="0"/>
+              <a:buChar char="•"/>
+            </a:pPr>
+            <a:r>
+              <a:rPr lang="en-US" dirty="0"/>
+              <a:t>The </a:t>
+            </a:r>
+            <a:r>
+              <a:rPr lang="en-US" dirty="0" smtClean="0"/>
+              <a:t>city locations </a:t>
+            </a:r>
+            <a:r>
+              <a:rPr lang="en-US" dirty="0"/>
+              <a:t>that had been sprayed by a pesticide in 2007, 2011, and 2013</a:t>
+            </a:r>
+          </a:p>
+          <a:p>
+            <a:pPr lvl="1">
+              <a:buFont typeface="Arial" charset="0"/>
+              <a:buChar char="•"/>
+            </a:pPr>
+            <a:endParaRPr lang="en-US" dirty="0"/>
+          </a:p>
+        </p:txBody>
+      </p:sp>
     </p:spTree>
     <p:extLst>
       <p:ext uri="{BB962C8B-B14F-4D97-AF65-F5344CB8AC3E}">
-        <p14:creationId xmlns:p14="http://schemas.microsoft.com/office/powerpoint/2010/main" val="1868844887"/>
+        <p14:creationId xmlns:p14="http://schemas.microsoft.com/office/powerpoint/2010/main" val="725331571"/>
       </p:ext>
     </p:extLst>
   </p:cSld>
@@ -6658,312 +6680,6 @@
           <a:lstStyle/>
           <a:p>
             <a:r>
-              <a:rPr lang="en-US" dirty="0" smtClean="0"/>
-              <a:t>Information Provided</a:t>
-            </a:r>
-            <a:endParaRPr lang="en-US" dirty="0"/>
-          </a:p>
-        </p:txBody>
-      </p:sp>
-      <p:sp>
-        <p:nvSpPr>
-          <p:cNvPr id="3" name="Content Placeholder 2"/>
-          <p:cNvSpPr>
-            <a:spLocks noGrp="1"/>
-          </p:cNvSpPr>
-          <p:nvPr>
-            <p:ph idx="1"/>
-          </p:nvPr>
-        </p:nvSpPr>
-        <p:spPr>
-          <a:xfrm>
-            <a:off x="1097280" y="1845733"/>
-            <a:ext cx="10058400" cy="4240741"/>
-          </a:xfrm>
-        </p:spPr>
-        <p:txBody>
-          <a:bodyPr>
-            <a:noAutofit/>
-          </a:bodyPr>
-          <a:lstStyle/>
-          <a:p>
-            <a:pPr lvl="1">
-              <a:buFont typeface="Arial" charset="0"/>
-              <a:buChar char="•"/>
-            </a:pPr>
-            <a:r>
-              <a:rPr lang="en-US" dirty="0" smtClean="0"/>
-              <a:t>Results of a weekly survey of mosquito traps 2007, 2009, 2011, and 2013</a:t>
-            </a:r>
-          </a:p>
-          <a:p>
-            <a:pPr lvl="1">
-              <a:buFont typeface="Arial" charset="0"/>
-              <a:buChar char="•"/>
-            </a:pPr>
-            <a:r>
-              <a:rPr lang="en-US" dirty="0" smtClean="0"/>
-              <a:t>Trap-level </a:t>
-            </a:r>
-            <a:r>
-              <a:rPr lang="en-US" dirty="0"/>
-              <a:t>observations </a:t>
-            </a:r>
-            <a:r>
-              <a:rPr lang="en-US" dirty="0" smtClean="0"/>
-              <a:t>include:</a:t>
-            </a:r>
-          </a:p>
-          <a:p>
-            <a:pPr lvl="2">
-              <a:buFont typeface="Arial" charset="0"/>
-              <a:buChar char="•"/>
-            </a:pPr>
-            <a:r>
-              <a:rPr lang="en-US" sz="1600" dirty="0"/>
-              <a:t>A unique </a:t>
-            </a:r>
-            <a:r>
-              <a:rPr lang="en-US" sz="1600" b="1" dirty="0"/>
-              <a:t>trap identifier</a:t>
-            </a:r>
-            <a:endParaRPr lang="en-US" sz="1600" dirty="0"/>
-          </a:p>
-          <a:p>
-            <a:pPr lvl="2">
-              <a:buFont typeface="Arial" charset="0"/>
-              <a:buChar char="•"/>
-            </a:pPr>
-            <a:r>
-              <a:rPr lang="en-US" sz="1600" dirty="0" smtClean="0"/>
-              <a:t>The</a:t>
-            </a:r>
-            <a:r>
-              <a:rPr lang="en-US" sz="1600" dirty="0"/>
-              <a:t> </a:t>
-            </a:r>
-            <a:r>
-              <a:rPr lang="en-US" sz="1600" b="1" dirty="0"/>
-              <a:t>date</a:t>
-            </a:r>
-            <a:r>
-              <a:rPr lang="en-US" sz="1600" dirty="0"/>
-              <a:t> the test is performed</a:t>
-            </a:r>
-          </a:p>
-          <a:p>
-            <a:pPr lvl="2">
-              <a:buFont typeface="Arial" charset="0"/>
-              <a:buChar char="•"/>
-            </a:pPr>
-            <a:r>
-              <a:rPr lang="en-US" sz="1600" dirty="0"/>
-              <a:t>Street </a:t>
-            </a:r>
-            <a:r>
-              <a:rPr lang="en-US" sz="1600" b="1" dirty="0"/>
-              <a:t>address and block number</a:t>
-            </a:r>
-            <a:r>
-              <a:rPr lang="en-US" sz="1600" dirty="0"/>
-              <a:t> of the trap</a:t>
-            </a:r>
-          </a:p>
-          <a:p>
-            <a:pPr lvl="2">
-              <a:buFont typeface="Arial" charset="0"/>
-              <a:buChar char="•"/>
-            </a:pPr>
-            <a:r>
-              <a:rPr lang="en-US" sz="1600" dirty="0"/>
-              <a:t>Measure of the </a:t>
-            </a:r>
-            <a:r>
-              <a:rPr lang="en-US" sz="1600" b="1" dirty="0"/>
-              <a:t>accuracy of the street address</a:t>
-            </a:r>
-            <a:r>
-              <a:rPr lang="en-US" sz="1600" dirty="0"/>
-              <a:t> provided for the trap</a:t>
-            </a:r>
-          </a:p>
-          <a:p>
-            <a:pPr lvl="2">
-              <a:buFont typeface="Arial" charset="0"/>
-              <a:buChar char="•"/>
-            </a:pPr>
-            <a:r>
-              <a:rPr lang="en-US" sz="1600" dirty="0"/>
-              <a:t>The </a:t>
-            </a:r>
-            <a:r>
-              <a:rPr lang="en-US" sz="1600" b="1" dirty="0"/>
-              <a:t>species of mosquito</a:t>
-            </a:r>
-            <a:r>
-              <a:rPr lang="en-US" sz="1600" dirty="0"/>
-              <a:t> identified</a:t>
-            </a:r>
-          </a:p>
-          <a:p>
-            <a:pPr lvl="2">
-              <a:buFont typeface="Arial" charset="0"/>
-              <a:buChar char="•"/>
-            </a:pPr>
-            <a:r>
-              <a:rPr lang="en-US" sz="1600" b="1" dirty="0"/>
-              <a:t>Latitude and longitude</a:t>
-            </a:r>
-            <a:r>
-              <a:rPr lang="en-US" sz="1600" dirty="0"/>
-              <a:t> associated with the trap address</a:t>
-            </a:r>
-          </a:p>
-          <a:p>
-            <a:pPr lvl="2">
-              <a:buFont typeface="Arial" charset="0"/>
-              <a:buChar char="•"/>
-            </a:pPr>
-            <a:r>
-              <a:rPr lang="en-US" sz="1600" dirty="0"/>
-              <a:t>The </a:t>
-            </a:r>
-            <a:r>
-              <a:rPr lang="en-US" sz="1600" b="1" dirty="0"/>
-              <a:t>number of mosquitos</a:t>
-            </a:r>
-            <a:r>
-              <a:rPr lang="en-US" sz="1600" dirty="0"/>
-              <a:t> discovered during odd-numbered years</a:t>
-            </a:r>
-          </a:p>
-          <a:p>
-            <a:pPr lvl="2">
-              <a:buFont typeface="Arial" charset="0"/>
-              <a:buChar char="•"/>
-            </a:pPr>
-            <a:r>
-              <a:rPr lang="en-US" sz="1600" dirty="0"/>
-              <a:t>Whether the </a:t>
-            </a:r>
-            <a:r>
-              <a:rPr lang="en-US" sz="1600" b="1" dirty="0"/>
-              <a:t>trap tested positive</a:t>
-            </a:r>
-            <a:r>
-              <a:rPr lang="en-US" sz="1600" dirty="0"/>
-              <a:t> for West Nile Virus on a given date</a:t>
-            </a:r>
-          </a:p>
-          <a:p>
-            <a:pPr lvl="1">
-              <a:buFont typeface="Arial" charset="0"/>
-              <a:buChar char="•"/>
-            </a:pPr>
-            <a:r>
-              <a:rPr lang="en-US" b="1" dirty="0"/>
-              <a:t>Weather data</a:t>
-            </a:r>
-            <a:r>
-              <a:rPr lang="en-US" dirty="0"/>
-              <a:t> for the months of May-October from 2007 to </a:t>
-            </a:r>
-            <a:r>
-              <a:rPr lang="en-US" dirty="0" smtClean="0"/>
-              <a:t>2014</a:t>
-            </a:r>
-            <a:endParaRPr lang="en-US" dirty="0"/>
-          </a:p>
-          <a:p>
-            <a:pPr lvl="1">
-              <a:buFont typeface="Arial" charset="0"/>
-              <a:buChar char="•"/>
-            </a:pPr>
-            <a:r>
-              <a:rPr lang="en-US" dirty="0"/>
-              <a:t>A full list of all the species and traps anticipated to be in the even-year data.</a:t>
-            </a:r>
-          </a:p>
-          <a:p>
-            <a:pPr lvl="1">
-              <a:buFont typeface="Arial" charset="0"/>
-              <a:buChar char="•"/>
-            </a:pPr>
-            <a:r>
-              <a:rPr lang="en-US" dirty="0"/>
-              <a:t>The </a:t>
-            </a:r>
-            <a:r>
-              <a:rPr lang="en-US" dirty="0" smtClean="0"/>
-              <a:t>city locations </a:t>
-            </a:r>
-            <a:r>
-              <a:rPr lang="en-US" dirty="0"/>
-              <a:t>that had been sprayed by a pesticide in 2007, 2011, and 2013</a:t>
-            </a:r>
-          </a:p>
-          <a:p>
-            <a:pPr lvl="1">
-              <a:buFont typeface="Arial" charset="0"/>
-              <a:buChar char="•"/>
-            </a:pPr>
-            <a:endParaRPr lang="en-US" dirty="0"/>
-          </a:p>
-        </p:txBody>
-      </p:sp>
-    </p:spTree>
-    <p:extLst>
-      <p:ext uri="{BB962C8B-B14F-4D97-AF65-F5344CB8AC3E}">
-        <p14:creationId xmlns:p14="http://schemas.microsoft.com/office/powerpoint/2010/main" val="725331571"/>
-      </p:ext>
-    </p:extLst>
-  </p:cSld>
-  <p:clrMapOvr>
-    <a:masterClrMapping/>
-  </p:clrMapOvr>
-  <p:timing>
-    <p:tnLst>
-      <p:par>
-        <p:cTn id="1" dur="indefinite" restart="never" nodeType="tmRoot"/>
-      </p:par>
-    </p:tnLst>
-  </p:timing>
-</p:sld>
-</file>
-
-<file path=ppt/slides/slide7.xml><?xml version="1.0" encoding="utf-8"?>
-<p:sld xmlns:a="http://schemas.openxmlformats.org/drawingml/2006/main" xmlns:r="http://schemas.openxmlformats.org/officeDocument/2006/relationships" xmlns:p="http://schemas.openxmlformats.org/presentationml/2006/main">
-  <p:cSld>
-    <p:spTree>
-      <p:nvGrpSpPr>
-        <p:cNvPr id="1" name=""/>
-        <p:cNvGrpSpPr/>
-        <p:nvPr/>
-      </p:nvGrpSpPr>
-      <p:grpSpPr>
-        <a:xfrm>
-          <a:off x="0" y="0"/>
-          <a:ext cx="0" cy="0"/>
-          <a:chOff x="0" y="0"/>
-          <a:chExt cx="0" cy="0"/>
-        </a:xfrm>
-      </p:grpSpPr>
-      <p:sp>
-        <p:nvSpPr>
-          <p:cNvPr id="2" name="Title 1"/>
-          <p:cNvSpPr>
-            <a:spLocks noGrp="1"/>
-          </p:cNvSpPr>
-          <p:nvPr>
-            <p:ph type="title"/>
-          </p:nvPr>
-        </p:nvSpPr>
-        <p:spPr/>
-        <p:txBody>
-          <a:bodyPr/>
-          <a:lstStyle/>
-          <a:p>
-            <a:r>
               <a:rPr lang="en-US" dirty="0" smtClean="0">
                 <a:solidFill>
                   <a:srgbClr val="404040"/>
@@ -7017,7 +6733,7 @@
 </p:sld>
 </file>
 
-<file path=ppt/slides/slide8.xml><?xml version="1.0" encoding="utf-8"?>
+<file path=ppt/slides/slide7.xml><?xml version="1.0" encoding="utf-8"?>
 <p:sld xmlns:a="http://schemas.openxmlformats.org/drawingml/2006/main" xmlns:r="http://schemas.openxmlformats.org/officeDocument/2006/relationships" xmlns:p="http://schemas.openxmlformats.org/presentationml/2006/main">
   <p:cSld>
     <p:spTree>
@@ -7099,7 +6815,7 @@
 </p:sld>
 </file>
 
-<file path=ppt/slides/slide9.xml><?xml version="1.0" encoding="utf-8"?>
+<file path=ppt/slides/slide8.xml><?xml version="1.0" encoding="utf-8"?>
 <p:sld xmlns:a="http://schemas.openxmlformats.org/drawingml/2006/main" xmlns:r="http://schemas.openxmlformats.org/officeDocument/2006/relationships" xmlns:p="http://schemas.openxmlformats.org/presentationml/2006/main">
   <p:cSld>
     <p:spTree>
@@ -7186,6 +6902,88 @@
     <p:extLst>
       <p:ext uri="{BB962C8B-B14F-4D97-AF65-F5344CB8AC3E}">
         <p14:creationId xmlns:p14="http://schemas.microsoft.com/office/powerpoint/2010/main" val="936820308"/>
+      </p:ext>
+    </p:extLst>
+  </p:cSld>
+  <p:clrMapOvr>
+    <a:masterClrMapping/>
+  </p:clrMapOvr>
+</p:sld>
+</file>
+
+<file path=ppt/slides/slide9.xml><?xml version="1.0" encoding="utf-8"?>
+<p:sld xmlns:a="http://schemas.openxmlformats.org/drawingml/2006/main" xmlns:r="http://schemas.openxmlformats.org/officeDocument/2006/relationships" xmlns:p="http://schemas.openxmlformats.org/presentationml/2006/main">
+  <p:cSld>
+    <p:spTree>
+      <p:nvGrpSpPr>
+        <p:cNvPr id="1" name=""/>
+        <p:cNvGrpSpPr/>
+        <p:nvPr/>
+      </p:nvGrpSpPr>
+      <p:grpSpPr>
+        <a:xfrm>
+          <a:off x="0" y="0"/>
+          <a:ext cx="0" cy="0"/>
+          <a:chOff x="0" y="0"/>
+          <a:chExt cx="0" cy="0"/>
+        </a:xfrm>
+      </p:grpSpPr>
+      <p:sp>
+        <p:nvSpPr>
+          <p:cNvPr id="2" name="Title 1"/>
+          <p:cNvSpPr>
+            <a:spLocks noGrp="1"/>
+          </p:cNvSpPr>
+          <p:nvPr>
+            <p:ph type="title"/>
+          </p:nvPr>
+        </p:nvSpPr>
+        <p:spPr/>
+        <p:txBody>
+          <a:bodyPr/>
+          <a:lstStyle/>
+          <a:p>
+            <a:r>
+              <a:rPr lang="en-US" dirty="0" smtClean="0"/>
+              <a:t>WNV estimates are inconsistent by species</a:t>
+            </a:r>
+            <a:endParaRPr lang="en-US" dirty="0"/>
+          </a:p>
+        </p:txBody>
+      </p:sp>
+      <p:pic>
+        <p:nvPicPr>
+          <p:cNvPr id="4" name="Content Placeholder 3"/>
+          <p:cNvPicPr>
+            <a:picLocks noGrp="1" noChangeAspect="1"/>
+          </p:cNvPicPr>
+          <p:nvPr>
+            <p:ph idx="1"/>
+          </p:nvPr>
+        </p:nvPicPr>
+        <p:blipFill>
+          <a:blip r:embed="rId2">
+            <a:extLst>
+              <a:ext uri="{28A0092B-C50C-407E-A947-70E740481C1C}">
+                <a14:useLocalDpi xmlns:a14="http://schemas.microsoft.com/office/drawing/2010/main" val="0"/>
+              </a:ext>
+            </a:extLst>
+          </a:blip>
+          <a:stretch>
+            <a:fillRect/>
+          </a:stretch>
+        </p:blipFill>
+        <p:spPr>
+          <a:xfrm>
+            <a:off x="1096963" y="2834924"/>
+            <a:ext cx="10058400" cy="2045403"/>
+          </a:xfrm>
+        </p:spPr>
+      </p:pic>
+    </p:spTree>
+    <p:extLst>
+      <p:ext uri="{BB962C8B-B14F-4D97-AF65-F5344CB8AC3E}">
+        <p14:creationId xmlns:p14="http://schemas.microsoft.com/office/powerpoint/2010/main" val="779890425"/>
       </p:ext>
     </p:extLst>
   </p:cSld>

--- a/Kaggle_WNV_Presentation.pptx
+++ b/Kaggle_WNV_Presentation.pptx
@@ -5,7 +5,7 @@
     <p:sldMasterId id="2147483726" r:id="rId1"/>
   </p:sldMasterIdLst>
   <p:notesMasterIdLst>
-    <p:notesMasterId r:id="rId18"/>
+    <p:notesMasterId r:id="rId19"/>
   </p:notesMasterIdLst>
   <p:sldIdLst>
     <p:sldId id="256" r:id="rId2"/>
@@ -23,7 +23,8 @@
     <p:sldId id="264" r:id="rId14"/>
     <p:sldId id="265" r:id="rId15"/>
     <p:sldId id="272" r:id="rId16"/>
-    <p:sldId id="274" r:id="rId17"/>
+    <p:sldId id="275" r:id="rId17"/>
+    <p:sldId id="274" r:id="rId18"/>
   </p:sldIdLst>
   <p:sldSz cx="12192000" cy="6858000"/>
   <p:notesSz cx="6858000" cy="9144000"/>
@@ -713,7 +714,7 @@
           <a:p>
             <a:fld id="{AFAF6199-9267-D74A-951D-CE0204FE99CB}" type="slidenum">
               <a:rPr lang="en-US" smtClean="0"/>
-              <a:t>16</a:t>
+              <a:t>17</a:t>
             </a:fld>
             <a:endParaRPr lang="en-US"/>
           </a:p>
@@ -5414,6 +5415,13 @@
   <p:clrMapOvr>
     <a:masterClrMapping/>
   </p:clrMapOvr>
+  <p:timing>
+    <p:tnLst>
+      <p:par>
+        <p:cTn id="1" dur="indefinite" restart="never" nodeType="tmRoot"/>
+      </p:par>
+    </p:tnLst>
+  </p:timing>
 </p:sld>
 </file>
 
@@ -5570,6 +5578,13 @@
   <p:clrMapOvr>
     <a:masterClrMapping/>
   </p:clrMapOvr>
+  <p:timing>
+    <p:tnLst>
+      <p:par>
+        <p:cTn id="1" dur="indefinite" restart="never" nodeType="tmRoot"/>
+      </p:par>
+    </p:tnLst>
+  </p:timing>
 </p:sld>
 </file>
 
@@ -5698,6 +5713,81 @@
   <p:clrMapOvr>
     <a:masterClrMapping/>
   </p:clrMapOvr>
+  <p:timing>
+    <p:tnLst>
+      <p:par>
+        <p:cTn id="1" dur="indefinite" restart="never" nodeType="tmRoot">
+          <p:childTnLst>
+            <p:seq concurrent="1" nextAc="seek">
+              <p:cTn id="2" dur="indefinite" nodeType="mainSeq">
+                <p:childTnLst>
+                  <p:par>
+                    <p:cTn id="3" fill="hold">
+                      <p:stCondLst>
+                        <p:cond delay="indefinite"/>
+                      </p:stCondLst>
+                      <p:childTnLst>
+                        <p:par>
+                          <p:cTn id="4" fill="hold">
+                            <p:stCondLst>
+                              <p:cond delay="0"/>
+                            </p:stCondLst>
+                            <p:childTnLst>
+                              <p:par>
+                                <p:cTn id="5" presetID="1" presetClass="entr" presetSubtype="0" fill="hold" nodeType="clickEffect">
+                                  <p:stCondLst>
+                                    <p:cond delay="0"/>
+                                  </p:stCondLst>
+                                  <p:childTnLst>
+                                    <p:set>
+                                      <p:cBhvr>
+                                        <p:cTn id="6" dur="1" fill="hold">
+                                          <p:stCondLst>
+                                            <p:cond delay="0"/>
+                                          </p:stCondLst>
+                                        </p:cTn>
+                                        <p:tgtEl>
+                                          <p:spTgt spid="4"/>
+                                        </p:tgtEl>
+                                        <p:attrNameLst>
+                                          <p:attrName>style.visibility</p:attrName>
+                                        </p:attrNameLst>
+                                      </p:cBhvr>
+                                      <p:to>
+                                        <p:strVal val="visible"/>
+                                      </p:to>
+                                    </p:set>
+                                  </p:childTnLst>
+                                </p:cTn>
+                              </p:par>
+                            </p:childTnLst>
+                          </p:cTn>
+                        </p:par>
+                      </p:childTnLst>
+                    </p:cTn>
+                  </p:par>
+                </p:childTnLst>
+              </p:cTn>
+              <p:prevCondLst>
+                <p:cond evt="onPrev" delay="0">
+                  <p:tgtEl>
+                    <p:sldTgt/>
+                  </p:tgtEl>
+                </p:cond>
+              </p:prevCondLst>
+              <p:nextCondLst>
+                <p:cond evt="onNext" delay="0">
+                  <p:tgtEl>
+                    <p:sldTgt/>
+                  </p:tgtEl>
+                </p:cond>
+              </p:nextCondLst>
+            </p:seq>
+          </p:childTnLst>
+        </p:cTn>
+      </p:par>
+    </p:tnLst>
+  </p:timing>
 </p:sld>
 </file>
 
@@ -5734,6 +5824,160 @@
           <a:lstStyle/>
           <a:p>
             <a:r>
+              <a:rPr lang="en-US" dirty="0" smtClean="0"/>
+              <a:t>Conclusions &amp; Next Steps</a:t>
+            </a:r>
+            <a:endParaRPr lang="en-US" dirty="0"/>
+          </a:p>
+        </p:txBody>
+      </p:sp>
+      <p:sp>
+        <p:nvSpPr>
+          <p:cNvPr id="3" name="Content Placeholder 2"/>
+          <p:cNvSpPr>
+            <a:spLocks noGrp="1"/>
+          </p:cNvSpPr>
+          <p:nvPr>
+            <p:ph idx="1"/>
+          </p:nvPr>
+        </p:nvSpPr>
+        <p:spPr/>
+        <p:txBody>
+          <a:bodyPr>
+            <a:normAutofit/>
+          </a:bodyPr>
+          <a:lstStyle/>
+          <a:p>
+            <a:pPr lvl="1">
+              <a:buFont typeface="Arial" charset="0"/>
+              <a:buChar char="•"/>
+            </a:pPr>
+            <a:r>
+              <a:rPr lang="en-US" sz="2000" dirty="0" smtClean="0"/>
+              <a:t>Too much dimensionality for this dataset</a:t>
+            </a:r>
+          </a:p>
+          <a:p>
+            <a:pPr lvl="1">
+              <a:buFont typeface="Arial" charset="0"/>
+              <a:buChar char="•"/>
+            </a:pPr>
+            <a:endParaRPr lang="en-US" sz="2000" dirty="0" smtClean="0"/>
+          </a:p>
+          <a:p>
+            <a:pPr lvl="1">
+              <a:buFont typeface="Arial" charset="0"/>
+              <a:buChar char="•"/>
+            </a:pPr>
+            <a:r>
+              <a:rPr lang="en-US" sz="2000" dirty="0" smtClean="0"/>
+              <a:t>To reduce, would calculate feature </a:t>
+            </a:r>
+            <a:r>
+              <a:rPr lang="en-US" sz="2000" dirty="0" err="1" smtClean="0"/>
+              <a:t>importances</a:t>
+            </a:r>
+            <a:r>
+              <a:rPr lang="en-US" sz="2000" dirty="0" smtClean="0"/>
+              <a:t> from our best-scoring model, the Ada-boosted random forest</a:t>
+            </a:r>
+          </a:p>
+          <a:p>
+            <a:pPr lvl="1">
+              <a:buFont typeface="Arial" charset="0"/>
+              <a:buChar char="•"/>
+            </a:pPr>
+            <a:endParaRPr lang="en-US" sz="2000" dirty="0" smtClean="0"/>
+          </a:p>
+          <a:p>
+            <a:pPr lvl="1">
+              <a:buFont typeface="Arial" charset="0"/>
+              <a:buChar char="•"/>
+            </a:pPr>
+            <a:r>
+              <a:rPr lang="en-US" sz="2000" dirty="0" smtClean="0"/>
+              <a:t>Rerun the analyses with features that had greater than the median importance</a:t>
+            </a:r>
+          </a:p>
+          <a:p>
+            <a:pPr lvl="1">
+              <a:buFont typeface="Arial" charset="0"/>
+              <a:buChar char="•"/>
+            </a:pPr>
+            <a:endParaRPr lang="en-US" sz="2000" dirty="0"/>
+          </a:p>
+          <a:p>
+            <a:pPr lvl="1">
+              <a:buFont typeface="Arial" charset="0"/>
+              <a:buChar char="•"/>
+            </a:pPr>
+            <a:r>
+              <a:rPr lang="en-US" sz="2000" dirty="0" smtClean="0"/>
+              <a:t>Continue this process until our score improves or we have no more variables left</a:t>
+            </a:r>
+          </a:p>
+          <a:p>
+            <a:pPr lvl="1">
+              <a:buFont typeface="Arial" charset="0"/>
+              <a:buChar char="•"/>
+            </a:pPr>
+            <a:endParaRPr lang="en-US" sz="2000" dirty="0"/>
+          </a:p>
+        </p:txBody>
+      </p:sp>
+    </p:spTree>
+    <p:extLst>
+      <p:ext uri="{BB962C8B-B14F-4D97-AF65-F5344CB8AC3E}">
+        <p14:creationId xmlns:p14="http://schemas.microsoft.com/office/powerpoint/2010/main" val="353589233"/>
+      </p:ext>
+    </p:extLst>
+  </p:cSld>
+  <p:clrMapOvr>
+    <a:masterClrMapping/>
+  </p:clrMapOvr>
+  <p:timing>
+    <p:tnLst>
+      <p:par>
+        <p:cTn id="1" dur="indefinite" restart="never" nodeType="tmRoot"/>
+      </p:par>
+    </p:tnLst>
+  </p:timing>
+</p:sld>
+</file>
+
+<file path=ppt/slides/slide17.xml><?xml version="1.0" encoding="utf-8"?>
+<p:sld xmlns:a="http://schemas.openxmlformats.org/drawingml/2006/main" xmlns:r="http://schemas.openxmlformats.org/officeDocument/2006/relationships" xmlns:p="http://schemas.openxmlformats.org/presentationml/2006/main">
+  <p:cSld>
+    <p:spTree>
+      <p:nvGrpSpPr>
+        <p:cNvPr id="1" name=""/>
+        <p:cNvGrpSpPr/>
+        <p:nvPr/>
+      </p:nvGrpSpPr>
+      <p:grpSpPr>
+        <a:xfrm>
+          <a:off x="0" y="0"/>
+          <a:ext cx="0" cy="0"/>
+          <a:chOff x="0" y="0"/>
+          <a:chExt cx="0" cy="0"/>
+        </a:xfrm>
+      </p:grpSpPr>
+      <p:sp>
+        <p:nvSpPr>
+          <p:cNvPr id="2" name="Title 1"/>
+          <p:cNvSpPr>
+            <a:spLocks noGrp="1"/>
+          </p:cNvSpPr>
+          <p:nvPr>
+            <p:ph type="title"/>
+          </p:nvPr>
+        </p:nvSpPr>
+        <p:spPr/>
+        <p:txBody>
+          <a:bodyPr/>
+          <a:lstStyle/>
+          <a:p>
+            <a:r>
               <a:rPr lang="en-US" dirty="0"/>
               <a:t>Questions?</a:t>
             </a:r>
@@ -5769,6 +6013,13 @@
   <p:clrMapOvr>
     <a:masterClrMapping/>
   </p:clrMapOvr>
+  <p:timing>
+    <p:tnLst>
+      <p:par>
+        <p:cTn id="1" dur="indefinite" restart="never" nodeType="tmRoot"/>
+      </p:par>
+    </p:tnLst>
+  </p:timing>
 </p:sld>
 </file>
 

--- a/Kaggle_WNV_Presentation.pptx
+++ b/Kaggle_WNV_Presentation.pptx
@@ -5,7 +5,7 @@
     <p:sldMasterId id="2147483726" r:id="rId1"/>
   </p:sldMasterIdLst>
   <p:notesMasterIdLst>
-    <p:notesMasterId r:id="rId19"/>
+    <p:notesMasterId r:id="rId18"/>
   </p:notesMasterIdLst>
   <p:sldIdLst>
     <p:sldId id="256" r:id="rId2"/>
@@ -13,18 +13,17 @@
     <p:sldId id="258" r:id="rId4"/>
     <p:sldId id="259" r:id="rId5"/>
     <p:sldId id="260" r:id="rId6"/>
-    <p:sldId id="267" r:id="rId7"/>
+    <p:sldId id="271" r:id="rId7"/>
     <p:sldId id="268" r:id="rId8"/>
     <p:sldId id="269" r:id="rId9"/>
-    <p:sldId id="271" r:id="rId10"/>
-    <p:sldId id="261" r:id="rId11"/>
-    <p:sldId id="262" r:id="rId12"/>
-    <p:sldId id="263" r:id="rId13"/>
-    <p:sldId id="264" r:id="rId14"/>
-    <p:sldId id="265" r:id="rId15"/>
-    <p:sldId id="272" r:id="rId16"/>
-    <p:sldId id="275" r:id="rId17"/>
-    <p:sldId id="274" r:id="rId18"/>
+    <p:sldId id="261" r:id="rId10"/>
+    <p:sldId id="262" r:id="rId11"/>
+    <p:sldId id="263" r:id="rId12"/>
+    <p:sldId id="264" r:id="rId13"/>
+    <p:sldId id="265" r:id="rId14"/>
+    <p:sldId id="272" r:id="rId15"/>
+    <p:sldId id="275" r:id="rId16"/>
+    <p:sldId id="274" r:id="rId17"/>
   </p:sldIdLst>
   <p:sldSz cx="12192000" cy="6858000"/>
   <p:notesSz cx="6858000" cy="9144000"/>
@@ -630,7 +629,7 @@
           <a:p>
             <a:fld id="{AFAF6199-9267-D74A-951D-CE0204FE99CB}" type="slidenum">
               <a:rPr lang="en-US" smtClean="0"/>
-              <a:t>15</a:t>
+              <a:t>14</a:t>
             </a:fld>
             <a:endParaRPr lang="en-US"/>
           </a:p>
@@ -714,7 +713,7 @@
           <a:p>
             <a:fld id="{AFAF6199-9267-D74A-951D-CE0204FE99CB}" type="slidenum">
               <a:rPr lang="en-US" smtClean="0"/>
-              <a:t>17</a:t>
+              <a:t>16</a:t>
             </a:fld>
             <a:endParaRPr lang="en-US"/>
           </a:p>
@@ -4511,256 +4510,6 @@
             <p:ph type="title"/>
           </p:nvPr>
         </p:nvSpPr>
-        <p:spPr/>
-        <p:txBody>
-          <a:bodyPr/>
-          <a:lstStyle/>
-          <a:p>
-            <a:r>
-              <a:rPr lang="en-US" dirty="0" smtClean="0"/>
-              <a:t>Data Cleaning Decisions</a:t>
-            </a:r>
-            <a:endParaRPr lang="en-US" dirty="0"/>
-          </a:p>
-        </p:txBody>
-      </p:sp>
-      <p:sp>
-        <p:nvSpPr>
-          <p:cNvPr id="3" name="Content Placeholder 2"/>
-          <p:cNvSpPr>
-            <a:spLocks noGrp="1"/>
-          </p:cNvSpPr>
-          <p:nvPr>
-            <p:ph idx="1"/>
-          </p:nvPr>
-        </p:nvSpPr>
-        <p:spPr>
-          <a:xfrm>
-            <a:off x="1097280" y="1845734"/>
-            <a:ext cx="4315968" cy="4161874"/>
-          </a:xfrm>
-        </p:spPr>
-        <p:txBody>
-          <a:bodyPr>
-            <a:noAutofit/>
-          </a:bodyPr>
-          <a:lstStyle/>
-          <a:p>
-            <a:pPr lvl="1">
-              <a:buFont typeface="Arial" charset="0"/>
-              <a:buChar char="•"/>
-            </a:pPr>
-            <a:r>
-              <a:rPr lang="en-US" sz="2000" dirty="0" smtClean="0"/>
-              <a:t>Assigned weather observations to the closest station to each trap</a:t>
-            </a:r>
-          </a:p>
-          <a:p>
-            <a:pPr lvl="1">
-              <a:buFont typeface="Arial" charset="0"/>
-              <a:buChar char="•"/>
-            </a:pPr>
-            <a:r>
-              <a:rPr lang="en-US" sz="2000" dirty="0" smtClean="0"/>
-              <a:t>Traps that were listed with multiple locations were given alternate titles</a:t>
-            </a:r>
-          </a:p>
-          <a:p>
-            <a:pPr lvl="2">
-              <a:buFont typeface="Arial" charset="0"/>
-              <a:buChar char="•"/>
-            </a:pPr>
-            <a:r>
-              <a:rPr lang="en-US" sz="1600" dirty="0" smtClean="0"/>
-              <a:t>T009 &amp; T035</a:t>
-            </a:r>
-          </a:p>
-          <a:p>
-            <a:pPr lvl="1">
-              <a:buFont typeface="Arial" charset="0"/>
-              <a:buChar char="•"/>
-            </a:pPr>
-            <a:r>
-              <a:rPr lang="en-US" sz="2000" dirty="0" smtClean="0"/>
-              <a:t>Combined the total number of mosquitos in each trap per day</a:t>
-            </a:r>
-            <a:endParaRPr lang="en-US" sz="2000" dirty="0"/>
-          </a:p>
-          <a:p>
-            <a:pPr lvl="1">
-              <a:buFont typeface="Arial" charset="0"/>
-              <a:buChar char="•"/>
-            </a:pPr>
-            <a:r>
-              <a:rPr lang="en-US" sz="2000" dirty="0" smtClean="0"/>
-              <a:t>Count </a:t>
-            </a:r>
-            <a:r>
-              <a:rPr lang="en-US" sz="2000" dirty="0" err="1" smtClean="0"/>
-              <a:t>vectorized</a:t>
-            </a:r>
-            <a:r>
-              <a:rPr lang="en-US" sz="2000" dirty="0" smtClean="0"/>
-              <a:t> the weather observations per day</a:t>
-            </a:r>
-            <a:endParaRPr lang="en-US" sz="2000" dirty="0"/>
-          </a:p>
-          <a:p>
-            <a:pPr lvl="1">
-              <a:buFont typeface="Arial" charset="0"/>
-              <a:buChar char="•"/>
-            </a:pPr>
-            <a:r>
-              <a:rPr lang="en-US" sz="2000" dirty="0" smtClean="0"/>
-              <a:t>Imputed  missing weather values using average temperature</a:t>
-            </a:r>
-          </a:p>
-          <a:p>
-            <a:pPr lvl="1">
-              <a:buFont typeface="Arial" charset="0"/>
-              <a:buChar char="•"/>
-            </a:pPr>
-            <a:r>
-              <a:rPr lang="en-US" sz="2000" dirty="0" smtClean="0"/>
-              <a:t>Changed “T” as 0.05 and ”M” as </a:t>
-            </a:r>
-            <a:r>
-              <a:rPr lang="en-US" sz="2000" i="1" dirty="0" err="1" smtClean="0"/>
-              <a:t>NaN</a:t>
-            </a:r>
-            <a:endParaRPr lang="en-US" sz="2000" dirty="0" smtClean="0"/>
-          </a:p>
-          <a:p>
-            <a:pPr lvl="1">
-              <a:buFont typeface="Arial" charset="0"/>
-              <a:buChar char="•"/>
-            </a:pPr>
-            <a:endParaRPr lang="en-US" sz="2000" dirty="0"/>
-          </a:p>
-        </p:txBody>
-      </p:sp>
-      <p:pic>
-        <p:nvPicPr>
-          <p:cNvPr id="6" name="Picture 5"/>
-          <p:cNvPicPr>
-            <a:picLocks noChangeAspect="1"/>
-          </p:cNvPicPr>
-          <p:nvPr/>
-        </p:nvPicPr>
-        <p:blipFill>
-          <a:blip r:embed="rId2">
-            <a:extLst>
-              <a:ext uri="{28A0092B-C50C-407E-A947-70E740481C1C}">
-                <a14:useLocalDpi xmlns:a14="http://schemas.microsoft.com/office/drawing/2010/main" val="0"/>
-              </a:ext>
-            </a:extLst>
-          </a:blip>
-          <a:stretch>
-            <a:fillRect/>
-          </a:stretch>
-        </p:blipFill>
-        <p:spPr>
-          <a:xfrm>
-            <a:off x="5796956" y="2138342"/>
-            <a:ext cx="5737692" cy="3869266"/>
-          </a:xfrm>
-          <a:prstGeom prst="rect">
-            <a:avLst/>
-          </a:prstGeom>
-        </p:spPr>
-      </p:pic>
-      <p:sp>
-        <p:nvSpPr>
-          <p:cNvPr id="7" name="Rectangle 6"/>
-          <p:cNvSpPr/>
-          <p:nvPr/>
-        </p:nvSpPr>
-        <p:spPr>
-          <a:xfrm>
-            <a:off x="5796956" y="1978611"/>
-            <a:ext cx="5737692" cy="265953"/>
-          </a:xfrm>
-          <a:prstGeom prst="rect">
-            <a:avLst/>
-          </a:prstGeom>
-          <a:ln>
-            <a:noFill/>
-          </a:ln>
-        </p:spPr>
-        <p:style>
-          <a:lnRef idx="2">
-            <a:schemeClr val="accent6"/>
-          </a:lnRef>
-          <a:fillRef idx="1">
-            <a:schemeClr val="lt1"/>
-          </a:fillRef>
-          <a:effectRef idx="0">
-            <a:schemeClr val="accent6"/>
-          </a:effectRef>
-          <a:fontRef idx="minor">
-            <a:schemeClr val="dk1"/>
-          </a:fontRef>
-        </p:style>
-        <p:txBody>
-          <a:bodyPr rtlCol="0" anchor="ctr"/>
-          <a:lstStyle/>
-          <a:p>
-            <a:pPr algn="ctr"/>
-            <a:r>
-              <a:rPr lang="en-US" dirty="0" smtClean="0"/>
-              <a:t>Both weather stations exhibit very similar weather</a:t>
-            </a:r>
-            <a:endParaRPr lang="en-US" dirty="0"/>
-          </a:p>
-        </p:txBody>
-      </p:sp>
-    </p:spTree>
-    <p:extLst>
-      <p:ext uri="{BB962C8B-B14F-4D97-AF65-F5344CB8AC3E}">
-        <p14:creationId xmlns:p14="http://schemas.microsoft.com/office/powerpoint/2010/main" val="446860378"/>
-      </p:ext>
-    </p:extLst>
-  </p:cSld>
-  <p:clrMapOvr>
-    <a:masterClrMapping/>
-  </p:clrMapOvr>
-  <p:timing>
-    <p:tnLst>
-      <p:par>
-        <p:cTn id="1" dur="indefinite" restart="never" nodeType="tmRoot"/>
-      </p:par>
-    </p:tnLst>
-  </p:timing>
-</p:sld>
-</file>
-
-<file path=ppt/slides/slide11.xml><?xml version="1.0" encoding="utf-8"?>
-<p:sld xmlns:a="http://schemas.openxmlformats.org/drawingml/2006/main" xmlns:r="http://schemas.openxmlformats.org/officeDocument/2006/relationships" xmlns:p="http://schemas.openxmlformats.org/presentationml/2006/main">
-  <p:cSld>
-    <p:spTree>
-      <p:nvGrpSpPr>
-        <p:cNvPr id="1" name=""/>
-        <p:cNvGrpSpPr/>
-        <p:nvPr/>
-      </p:nvGrpSpPr>
-      <p:grpSpPr>
-        <a:xfrm>
-          <a:off x="0" y="0"/>
-          <a:ext cx="0" cy="0"/>
-          <a:chOff x="0" y="0"/>
-          <a:chExt cx="0" cy="0"/>
-        </a:xfrm>
-      </p:grpSpPr>
-      <p:sp>
-        <p:nvSpPr>
-          <p:cNvPr id="2" name="Title 1"/>
-          <p:cNvSpPr>
-            <a:spLocks noGrp="1"/>
-          </p:cNvSpPr>
-          <p:nvPr>
-            <p:ph type="title"/>
-          </p:nvPr>
-        </p:nvSpPr>
         <p:spPr>
           <a:xfrm>
             <a:off x="1097280" y="300891"/>
@@ -4914,7 +4663,7 @@
 </p:sld>
 </file>
 
-<file path=ppt/slides/slide12.xml><?xml version="1.0" encoding="utf-8"?>
+<file path=ppt/slides/slide11.xml><?xml version="1.0" encoding="utf-8"?>
 <p:sld xmlns:a="http://schemas.openxmlformats.org/drawingml/2006/main" xmlns:r="http://schemas.openxmlformats.org/officeDocument/2006/relationships" xmlns:p="http://schemas.openxmlformats.org/presentationml/2006/main">
   <p:cSld>
     <p:spTree>
@@ -5197,7 +4946,7 @@
 </p:sld>
 </file>
 
-<file path=ppt/slides/slide13.xml><?xml version="1.0" encoding="utf-8"?>
+<file path=ppt/slides/slide12.xml><?xml version="1.0" encoding="utf-8"?>
 <p:sld xmlns:a="http://schemas.openxmlformats.org/drawingml/2006/main" xmlns:r="http://schemas.openxmlformats.org/officeDocument/2006/relationships" xmlns:p="http://schemas.openxmlformats.org/presentationml/2006/main">
   <p:cSld>
     <p:spTree>
@@ -5425,7 +5174,7 @@
 </p:sld>
 </file>
 
-<file path=ppt/slides/slide14.xml><?xml version="1.0" encoding="utf-8"?>
+<file path=ppt/slides/slide13.xml><?xml version="1.0" encoding="utf-8"?>
 <p:sld xmlns:a="http://schemas.openxmlformats.org/drawingml/2006/main" xmlns:r="http://schemas.openxmlformats.org/officeDocument/2006/relationships" xmlns:p="http://schemas.openxmlformats.org/presentationml/2006/main">
   <p:cSld>
     <p:spTree>
@@ -5588,7 +5337,7 @@
 </p:sld>
 </file>
 
-<file path=ppt/slides/slide15.xml><?xml version="1.0" encoding="utf-8"?>
+<file path=ppt/slides/slide14.xml><?xml version="1.0" encoding="utf-8"?>
 <p:sld xmlns:a="http://schemas.openxmlformats.org/drawingml/2006/main" xmlns:r="http://schemas.openxmlformats.org/officeDocument/2006/relationships" xmlns:p="http://schemas.openxmlformats.org/presentationml/2006/main">
   <p:cSld>
     <p:spTree>
@@ -5791,7 +5540,7 @@
 </p:sld>
 </file>
 
-<file path=ppt/slides/slide16.xml><?xml version="1.0" encoding="utf-8"?>
+<file path=ppt/slides/slide15.xml><?xml version="1.0" encoding="utf-8"?>
 <p:sld xmlns:a="http://schemas.openxmlformats.org/drawingml/2006/main" xmlns:r="http://schemas.openxmlformats.org/officeDocument/2006/relationships" xmlns:p="http://schemas.openxmlformats.org/presentationml/2006/main">
   <p:cSld>
     <p:spTree>
@@ -5945,7 +5694,7 @@
 </p:sld>
 </file>
 
-<file path=ppt/slides/slide17.xml><?xml version="1.0" encoding="utf-8"?>
+<file path=ppt/slides/slide16.xml><?xml version="1.0" encoding="utf-8"?>
 <p:sld xmlns:a="http://schemas.openxmlformats.org/drawingml/2006/main" xmlns:r="http://schemas.openxmlformats.org/officeDocument/2006/relationships" xmlns:p="http://schemas.openxmlformats.org/presentationml/2006/main">
   <p:cSld>
     <p:spTree>
@@ -6931,12 +6680,8 @@
           <a:lstStyle/>
           <a:p>
             <a:r>
-              <a:rPr lang="en-US" dirty="0" smtClean="0">
-                <a:solidFill>
-                  <a:srgbClr val="404040"/>
-                </a:solidFill>
-              </a:rPr>
-              <a:t>Numbers of each species of mosquito</a:t>
+              <a:rPr lang="en-US" dirty="0" smtClean="0"/>
+              <a:t>WNV estimates are inconsistent by species</a:t>
             </a:r>
             <a:endParaRPr lang="en-US" dirty="0"/>
           </a:p>
@@ -6966,21 +6711,28 @@
         </p:blipFill>
         <p:spPr>
           <a:xfrm>
-            <a:off x="1356559" y="1846263"/>
-            <a:ext cx="9539207" cy="4022725"/>
+            <a:off x="1096963" y="2834924"/>
+            <a:ext cx="10058400" cy="2045403"/>
           </a:xfrm>
         </p:spPr>
       </p:pic>
     </p:spTree>
     <p:extLst>
       <p:ext uri="{BB962C8B-B14F-4D97-AF65-F5344CB8AC3E}">
-        <p14:creationId xmlns:p14="http://schemas.microsoft.com/office/powerpoint/2010/main" val="631187027"/>
+        <p14:creationId xmlns:p14="http://schemas.microsoft.com/office/powerpoint/2010/main" val="779890425"/>
       </p:ext>
     </p:extLst>
   </p:cSld>
   <p:clrMapOvr>
     <a:masterClrMapping/>
   </p:clrMapOvr>
+  <p:timing>
+    <p:tnLst>
+      <p:par>
+        <p:cTn id="1" dur="indefinite" restart="never" nodeType="tmRoot"/>
+      </p:par>
+    </p:tnLst>
+  </p:timing>
 </p:sld>
 </file>
 
@@ -7196,21 +6948,134 @@
           <a:p>
             <a:r>
               <a:rPr lang="en-US" dirty="0" smtClean="0"/>
-              <a:t>WNV estimates are inconsistent by species</a:t>
+              <a:t>Data Cleaning Decisions</a:t>
             </a:r>
             <a:endParaRPr lang="en-US" dirty="0"/>
+          </a:p>
+        </p:txBody>
+      </p:sp>
+      <p:sp>
+        <p:nvSpPr>
+          <p:cNvPr id="3" name="Content Placeholder 2"/>
+          <p:cNvSpPr>
+            <a:spLocks noGrp="1"/>
+          </p:cNvSpPr>
+          <p:nvPr>
+            <p:ph idx="1"/>
+          </p:nvPr>
+        </p:nvSpPr>
+        <p:spPr>
+          <a:xfrm>
+            <a:off x="1097280" y="1845734"/>
+            <a:ext cx="4315968" cy="4161874"/>
+          </a:xfrm>
+        </p:spPr>
+        <p:txBody>
+          <a:bodyPr>
+            <a:noAutofit/>
+          </a:bodyPr>
+          <a:lstStyle/>
+          <a:p>
+            <a:pPr lvl="1">
+              <a:buFont typeface="Arial" charset="0"/>
+              <a:buChar char="•"/>
+            </a:pPr>
+            <a:r>
+              <a:rPr lang="en-US" sz="2000" dirty="0" smtClean="0"/>
+              <a:t>Assigned weather observations to the closest station to each trap</a:t>
+            </a:r>
+          </a:p>
+          <a:p>
+            <a:pPr lvl="1">
+              <a:buFont typeface="Arial" charset="0"/>
+              <a:buChar char="•"/>
+            </a:pPr>
+            <a:r>
+              <a:rPr lang="en-US" sz="2000" dirty="0" smtClean="0"/>
+              <a:t>Traps that were listed with multiple locations were given alternate titles</a:t>
+            </a:r>
+          </a:p>
+          <a:p>
+            <a:pPr lvl="2">
+              <a:buFont typeface="Arial" charset="0"/>
+              <a:buChar char="•"/>
+            </a:pPr>
+            <a:r>
+              <a:rPr lang="en-US" sz="1600" dirty="0" smtClean="0"/>
+              <a:t>T009 &amp; T035</a:t>
+            </a:r>
+          </a:p>
+          <a:p>
+            <a:pPr lvl="1">
+              <a:buFont typeface="Arial" charset="0"/>
+              <a:buChar char="•"/>
+            </a:pPr>
+            <a:r>
+              <a:rPr lang="en-US" sz="2000" dirty="0" smtClean="0"/>
+              <a:t>Combined the total number of mosquitos in each trap per day</a:t>
+            </a:r>
+            <a:endParaRPr lang="en-US" sz="2000" dirty="0"/>
+          </a:p>
+          <a:p>
+            <a:pPr lvl="1">
+              <a:buFont typeface="Arial" charset="0"/>
+              <a:buChar char="•"/>
+            </a:pPr>
+            <a:r>
+              <a:rPr lang="en-US" sz="2000" dirty="0" smtClean="0"/>
+              <a:t>Count </a:t>
+            </a:r>
+            <a:r>
+              <a:rPr lang="en-US" sz="2000" dirty="0" err="1" smtClean="0"/>
+              <a:t>vectorized</a:t>
+            </a:r>
+            <a:r>
+              <a:rPr lang="en-US" sz="2000" dirty="0" smtClean="0"/>
+              <a:t> the weather observations per day</a:t>
+            </a:r>
+            <a:endParaRPr lang="en-US" sz="2000" dirty="0"/>
+          </a:p>
+          <a:p>
+            <a:pPr lvl="1">
+              <a:buFont typeface="Arial" charset="0"/>
+              <a:buChar char="•"/>
+            </a:pPr>
+            <a:r>
+              <a:rPr lang="en-US" sz="2000" dirty="0" smtClean="0"/>
+              <a:t>Imputed  missing weather values using average temperature</a:t>
+            </a:r>
+          </a:p>
+          <a:p>
+            <a:pPr lvl="1">
+              <a:buFont typeface="Arial" charset="0"/>
+              <a:buChar char="•"/>
+            </a:pPr>
+            <a:r>
+              <a:rPr lang="en-US" sz="2000" dirty="0" smtClean="0"/>
+              <a:t>Changed “T” as 0.05 and ”M” as </a:t>
+            </a:r>
+            <a:r>
+              <a:rPr lang="en-US" sz="2000" i="1" dirty="0" err="1" smtClean="0"/>
+              <a:t>NaN</a:t>
+            </a:r>
+            <a:endParaRPr lang="en-US" sz="2000" dirty="0" smtClean="0"/>
+          </a:p>
+          <a:p>
+            <a:pPr lvl="1">
+              <a:buFont typeface="Arial" charset="0"/>
+              <a:buChar char="•"/>
+            </a:pPr>
+            <a:endParaRPr lang="en-US" sz="2000" dirty="0"/>
           </a:p>
         </p:txBody>
       </p:sp>
       <p:pic>
         <p:nvPicPr>
-          <p:cNvPr id="4" name="Content Placeholder 3"/>
+          <p:cNvPr id="6" name="Picture 5"/>
           <p:cNvPicPr>
-            <a:picLocks noGrp="1" noChangeAspect="1"/>
+            <a:picLocks noChangeAspect="1"/>
           </p:cNvPicPr>
-          <p:nvPr>
-            <p:ph idx="1"/>
-          </p:nvPr>
+          <p:nvPr/>
         </p:nvPicPr>
         <p:blipFill>
           <a:blip r:embed="rId2">
@@ -7226,21 +7091,76 @@
         </p:blipFill>
         <p:spPr>
           <a:xfrm>
-            <a:off x="1096963" y="2834924"/>
-            <a:ext cx="10058400" cy="2045403"/>
+            <a:off x="5796956" y="2138342"/>
+            <a:ext cx="5737692" cy="3869266"/>
           </a:xfrm>
+          <a:prstGeom prst="rect">
+            <a:avLst/>
+          </a:prstGeom>
         </p:spPr>
       </p:pic>
+      <p:sp>
+        <p:nvSpPr>
+          <p:cNvPr id="7" name="Rectangle 6"/>
+          <p:cNvSpPr/>
+          <p:nvPr/>
+        </p:nvSpPr>
+        <p:spPr>
+          <a:xfrm>
+            <a:off x="5796956" y="1978611"/>
+            <a:ext cx="5737692" cy="265953"/>
+          </a:xfrm>
+          <a:prstGeom prst="rect">
+            <a:avLst/>
+          </a:prstGeom>
+          <a:ln>
+            <a:noFill/>
+          </a:ln>
+        </p:spPr>
+        <p:style>
+          <a:lnRef idx="2">
+            <a:schemeClr val="accent6"/>
+          </a:lnRef>
+          <a:fillRef idx="1">
+            <a:schemeClr val="lt1"/>
+          </a:fillRef>
+          <a:effectRef idx="0">
+            <a:schemeClr val="accent6"/>
+          </a:effectRef>
+          <a:fontRef idx="minor">
+            <a:schemeClr val="dk1"/>
+          </a:fontRef>
+        </p:style>
+        <p:txBody>
+          <a:bodyPr rtlCol="0" anchor="ctr"/>
+          <a:lstStyle/>
+          <a:p>
+            <a:pPr algn="ctr"/>
+            <a:r>
+              <a:rPr lang="en-US" dirty="0" smtClean="0"/>
+              <a:t>Both weather stations exhibit very similar weather</a:t>
+            </a:r>
+            <a:endParaRPr lang="en-US" dirty="0"/>
+          </a:p>
+        </p:txBody>
+      </p:sp>
     </p:spTree>
     <p:extLst>
       <p:ext uri="{BB962C8B-B14F-4D97-AF65-F5344CB8AC3E}">
-        <p14:creationId xmlns:p14="http://schemas.microsoft.com/office/powerpoint/2010/main" val="779890425"/>
+        <p14:creationId xmlns:p14="http://schemas.microsoft.com/office/powerpoint/2010/main" val="446860378"/>
       </p:ext>
     </p:extLst>
   </p:cSld>
   <p:clrMapOvr>
     <a:masterClrMapping/>
   </p:clrMapOvr>
+  <p:timing>
+    <p:tnLst>
+      <p:par>
+        <p:cTn id="1" dur="indefinite" restart="never" nodeType="tmRoot"/>
+      </p:par>
+    </p:tnLst>
+  </p:timing>
 </p:sld>
 </file>
 
